--- a/ppt 16-9/1367.主爱不变.pptx
+++ b/ppt 16-9/1367.主爱不变.pptx
@@ -5,7 +5,7 @@
     <p:sldMasterId id="2147483648" r:id="rId1"/>
   </p:sldMasterIdLst>
   <p:sldIdLst>
-    <p:sldId id="933" r:id="rId2"/>
+    <p:sldId id="935" r:id="rId2"/>
   </p:sldIdLst>
   <p:sldSz cx="12192000" cy="6858000"/>
   <p:notesSz cx="6858000" cy="9144000"/>
@@ -129,7 +129,7 @@
           <p:cNvPr id="2" name="标题 1">
             <a:extLst>
               <a:ext uri="{FF2B5EF4-FFF2-40B4-BE49-F238E27FC236}">
-                <a16:creationId xmlns:a16="http://schemas.microsoft.com/office/drawing/2014/main" id="{74D545B0-276E-0653-8EC3-EDFC659CB81D}"/>
+                <a16:creationId xmlns:a16="http://schemas.microsoft.com/office/drawing/2014/main" id="{D7545320-39D3-DDF8-76C2-5A32D7E6575E}"/>
               </a:ext>
             </a:extLst>
           </p:cNvPr>
@@ -166,7 +166,7 @@
           <p:cNvPr id="3" name="副标题 2">
             <a:extLst>
               <a:ext uri="{FF2B5EF4-FFF2-40B4-BE49-F238E27FC236}">
-                <a16:creationId xmlns:a16="http://schemas.microsoft.com/office/drawing/2014/main" id="{A46DFF24-2ACD-8E96-CB3E-E4854FDE6863}"/>
+                <a16:creationId xmlns:a16="http://schemas.microsoft.com/office/drawing/2014/main" id="{0F4622C8-BE98-2A96-BB66-2E328A84F2FB}"/>
               </a:ext>
             </a:extLst>
           </p:cNvPr>
@@ -236,7 +236,7 @@
           <p:cNvPr id="4" name="日期占位符 3">
             <a:extLst>
               <a:ext uri="{FF2B5EF4-FFF2-40B4-BE49-F238E27FC236}">
-                <a16:creationId xmlns:a16="http://schemas.microsoft.com/office/drawing/2014/main" id="{A38B4B7F-13D5-941D-74CE-133E20626063}"/>
+                <a16:creationId xmlns:a16="http://schemas.microsoft.com/office/drawing/2014/main" id="{158500C2-A011-93F7-1EFF-DFA815B3D836}"/>
               </a:ext>
             </a:extLst>
           </p:cNvPr>
@@ -252,7 +252,7 @@
           <a:bodyPr/>
           <a:lstStyle/>
           <a:p>
-            <a:fld id="{9AF2849B-4948-465C-9D73-04B3661FC6A7}" type="datetimeFigureOut">
+            <a:fld id="{A63DD16B-A699-4F92-AD8E-97E7AE606B31}" type="datetimeFigureOut">
               <a:rPr lang="zh-CN" altLang="en-US" smtClean="0"/>
               <a:t>2024/3/10</a:t>
             </a:fld>
@@ -265,7 +265,7 @@
           <p:cNvPr id="5" name="页脚占位符 4">
             <a:extLst>
               <a:ext uri="{FF2B5EF4-FFF2-40B4-BE49-F238E27FC236}">
-                <a16:creationId xmlns:a16="http://schemas.microsoft.com/office/drawing/2014/main" id="{B03F83AC-72DB-CB03-16D7-B0F032EDA824}"/>
+                <a16:creationId xmlns:a16="http://schemas.microsoft.com/office/drawing/2014/main" id="{42A19532-91CE-C8E0-BBCD-1F3C60DE5014}"/>
               </a:ext>
             </a:extLst>
           </p:cNvPr>
@@ -290,7 +290,7 @@
           <p:cNvPr id="6" name="灯片编号占位符 5">
             <a:extLst>
               <a:ext uri="{FF2B5EF4-FFF2-40B4-BE49-F238E27FC236}">
-                <a16:creationId xmlns:a16="http://schemas.microsoft.com/office/drawing/2014/main" id="{3088721A-1427-39E3-A4FC-BDCDFC688002}"/>
+                <a16:creationId xmlns:a16="http://schemas.microsoft.com/office/drawing/2014/main" id="{D74F03F2-82E4-0C23-0974-61AD2FE2E53F}"/>
               </a:ext>
             </a:extLst>
           </p:cNvPr>
@@ -306,7 +306,7 @@
           <a:bodyPr/>
           <a:lstStyle/>
           <a:p>
-            <a:fld id="{6C0D3533-2AE7-420F-BD7E-E7597E396A50}" type="slidenum">
+            <a:fld id="{26DE0FBB-C971-457D-A543-44C9D66CA0D0}" type="slidenum">
               <a:rPr lang="zh-CN" altLang="en-US" smtClean="0"/>
               <a:t>‹#›</a:t>
             </a:fld>
@@ -317,7 +317,7 @@
     </p:spTree>
     <p:extLst>
       <p:ext uri="{BB962C8B-B14F-4D97-AF65-F5344CB8AC3E}">
-        <p14:creationId xmlns:p14="http://schemas.microsoft.com/office/powerpoint/2010/main" val="3582228321"/>
+        <p14:creationId xmlns:p14="http://schemas.microsoft.com/office/powerpoint/2010/main" val="218989627"/>
       </p:ext>
     </p:extLst>
   </p:cSld>
@@ -349,7 +349,7 @@
           <p:cNvPr id="2" name="标题 1">
             <a:extLst>
               <a:ext uri="{FF2B5EF4-FFF2-40B4-BE49-F238E27FC236}">
-                <a16:creationId xmlns:a16="http://schemas.microsoft.com/office/drawing/2014/main" id="{FD02FDC8-81B9-5AC0-7E3A-E4470037CCB8}"/>
+                <a16:creationId xmlns:a16="http://schemas.microsoft.com/office/drawing/2014/main" id="{8B89FF98-AE5F-2859-FA81-F08A30F1042F}"/>
               </a:ext>
             </a:extLst>
           </p:cNvPr>
@@ -377,7 +377,7 @@
           <p:cNvPr id="3" name="竖排文字占位符 2">
             <a:extLst>
               <a:ext uri="{FF2B5EF4-FFF2-40B4-BE49-F238E27FC236}">
-                <a16:creationId xmlns:a16="http://schemas.microsoft.com/office/drawing/2014/main" id="{65469EFB-3EF4-3B9F-6EE4-1BC85096877F}"/>
+                <a16:creationId xmlns:a16="http://schemas.microsoft.com/office/drawing/2014/main" id="{48FBC689-0216-5BA5-0EE5-59474FBC0460}"/>
               </a:ext>
             </a:extLst>
           </p:cNvPr>
@@ -434,7 +434,7 @@
           <p:cNvPr id="4" name="日期占位符 3">
             <a:extLst>
               <a:ext uri="{FF2B5EF4-FFF2-40B4-BE49-F238E27FC236}">
-                <a16:creationId xmlns:a16="http://schemas.microsoft.com/office/drawing/2014/main" id="{C540C4E9-321D-3118-138C-AD2EE956A467}"/>
+                <a16:creationId xmlns:a16="http://schemas.microsoft.com/office/drawing/2014/main" id="{C7CE9BA2-7847-A32E-7945-6E28C45CAB07}"/>
               </a:ext>
             </a:extLst>
           </p:cNvPr>
@@ -450,7 +450,7 @@
           <a:bodyPr/>
           <a:lstStyle/>
           <a:p>
-            <a:fld id="{9AF2849B-4948-465C-9D73-04B3661FC6A7}" type="datetimeFigureOut">
+            <a:fld id="{A63DD16B-A699-4F92-AD8E-97E7AE606B31}" type="datetimeFigureOut">
               <a:rPr lang="zh-CN" altLang="en-US" smtClean="0"/>
               <a:t>2024/3/10</a:t>
             </a:fld>
@@ -463,7 +463,7 @@
           <p:cNvPr id="5" name="页脚占位符 4">
             <a:extLst>
               <a:ext uri="{FF2B5EF4-FFF2-40B4-BE49-F238E27FC236}">
-                <a16:creationId xmlns:a16="http://schemas.microsoft.com/office/drawing/2014/main" id="{FAA4936A-5E3E-84D4-6057-CAFA8DA266A7}"/>
+                <a16:creationId xmlns:a16="http://schemas.microsoft.com/office/drawing/2014/main" id="{03892189-1195-7E9E-CCB4-08F90BC5934A}"/>
               </a:ext>
             </a:extLst>
           </p:cNvPr>
@@ -488,7 +488,7 @@
           <p:cNvPr id="6" name="灯片编号占位符 5">
             <a:extLst>
               <a:ext uri="{FF2B5EF4-FFF2-40B4-BE49-F238E27FC236}">
-                <a16:creationId xmlns:a16="http://schemas.microsoft.com/office/drawing/2014/main" id="{9C231580-B8C0-E4B4-18A7-547E34EE6A3E}"/>
+                <a16:creationId xmlns:a16="http://schemas.microsoft.com/office/drawing/2014/main" id="{A3532380-9CD2-D959-6ED1-0F40E312C9BB}"/>
               </a:ext>
             </a:extLst>
           </p:cNvPr>
@@ -504,7 +504,7 @@
           <a:bodyPr/>
           <a:lstStyle/>
           <a:p>
-            <a:fld id="{6C0D3533-2AE7-420F-BD7E-E7597E396A50}" type="slidenum">
+            <a:fld id="{26DE0FBB-C971-457D-A543-44C9D66CA0D0}" type="slidenum">
               <a:rPr lang="zh-CN" altLang="en-US" smtClean="0"/>
               <a:t>‹#›</a:t>
             </a:fld>
@@ -515,7 +515,7 @@
     </p:spTree>
     <p:extLst>
       <p:ext uri="{BB962C8B-B14F-4D97-AF65-F5344CB8AC3E}">
-        <p14:creationId xmlns:p14="http://schemas.microsoft.com/office/powerpoint/2010/main" val="264537947"/>
+        <p14:creationId xmlns:p14="http://schemas.microsoft.com/office/powerpoint/2010/main" val="3915797419"/>
       </p:ext>
     </p:extLst>
   </p:cSld>
@@ -547,7 +547,7 @@
           <p:cNvPr id="2" name="竖排标题 1">
             <a:extLst>
               <a:ext uri="{FF2B5EF4-FFF2-40B4-BE49-F238E27FC236}">
-                <a16:creationId xmlns:a16="http://schemas.microsoft.com/office/drawing/2014/main" id="{ED2F8994-1215-CF85-A2D9-077AD83370F3}"/>
+                <a16:creationId xmlns:a16="http://schemas.microsoft.com/office/drawing/2014/main" id="{AAB4DC41-1CEA-9CA4-670A-2B249001FF11}"/>
               </a:ext>
             </a:extLst>
           </p:cNvPr>
@@ -580,7 +580,7 @@
           <p:cNvPr id="3" name="竖排文字占位符 2">
             <a:extLst>
               <a:ext uri="{FF2B5EF4-FFF2-40B4-BE49-F238E27FC236}">
-                <a16:creationId xmlns:a16="http://schemas.microsoft.com/office/drawing/2014/main" id="{6009CF29-5BC0-22CE-7FFC-C13657E15FC2}"/>
+                <a16:creationId xmlns:a16="http://schemas.microsoft.com/office/drawing/2014/main" id="{FEAD9AFF-EA2F-4EE0-D603-3215EE784C02}"/>
               </a:ext>
             </a:extLst>
           </p:cNvPr>
@@ -642,7 +642,7 @@
           <p:cNvPr id="4" name="日期占位符 3">
             <a:extLst>
               <a:ext uri="{FF2B5EF4-FFF2-40B4-BE49-F238E27FC236}">
-                <a16:creationId xmlns:a16="http://schemas.microsoft.com/office/drawing/2014/main" id="{CA644FA5-C3DB-878B-1E20-B716E9E8B3E1}"/>
+                <a16:creationId xmlns:a16="http://schemas.microsoft.com/office/drawing/2014/main" id="{0EB32A8C-5248-7BAD-0BA0-829B9E08813F}"/>
               </a:ext>
             </a:extLst>
           </p:cNvPr>
@@ -658,7 +658,7 @@
           <a:bodyPr/>
           <a:lstStyle/>
           <a:p>
-            <a:fld id="{9AF2849B-4948-465C-9D73-04B3661FC6A7}" type="datetimeFigureOut">
+            <a:fld id="{A63DD16B-A699-4F92-AD8E-97E7AE606B31}" type="datetimeFigureOut">
               <a:rPr lang="zh-CN" altLang="en-US" smtClean="0"/>
               <a:t>2024/3/10</a:t>
             </a:fld>
@@ -671,7 +671,7 @@
           <p:cNvPr id="5" name="页脚占位符 4">
             <a:extLst>
               <a:ext uri="{FF2B5EF4-FFF2-40B4-BE49-F238E27FC236}">
-                <a16:creationId xmlns:a16="http://schemas.microsoft.com/office/drawing/2014/main" id="{40497B17-9A00-E705-ABC8-4BBAEF405031}"/>
+                <a16:creationId xmlns:a16="http://schemas.microsoft.com/office/drawing/2014/main" id="{3719B404-EAF4-723B-B821-24C40F7827E8}"/>
               </a:ext>
             </a:extLst>
           </p:cNvPr>
@@ -696,7 +696,7 @@
           <p:cNvPr id="6" name="灯片编号占位符 5">
             <a:extLst>
               <a:ext uri="{FF2B5EF4-FFF2-40B4-BE49-F238E27FC236}">
-                <a16:creationId xmlns:a16="http://schemas.microsoft.com/office/drawing/2014/main" id="{104BD128-AAE8-63A7-96F7-8367D4889A25}"/>
+                <a16:creationId xmlns:a16="http://schemas.microsoft.com/office/drawing/2014/main" id="{055242B1-FD80-8C0B-55DB-F95BA364D388}"/>
               </a:ext>
             </a:extLst>
           </p:cNvPr>
@@ -712,7 +712,7 @@
           <a:bodyPr/>
           <a:lstStyle/>
           <a:p>
-            <a:fld id="{6C0D3533-2AE7-420F-BD7E-E7597E396A50}" type="slidenum">
+            <a:fld id="{26DE0FBB-C971-457D-A543-44C9D66CA0D0}" type="slidenum">
               <a:rPr lang="zh-CN" altLang="en-US" smtClean="0"/>
               <a:t>‹#›</a:t>
             </a:fld>
@@ -723,7 +723,7 @@
     </p:spTree>
     <p:extLst>
       <p:ext uri="{BB962C8B-B14F-4D97-AF65-F5344CB8AC3E}">
-        <p14:creationId xmlns:p14="http://schemas.microsoft.com/office/powerpoint/2010/main" val="1082048366"/>
+        <p14:creationId xmlns:p14="http://schemas.microsoft.com/office/powerpoint/2010/main" val="2099122422"/>
       </p:ext>
     </p:extLst>
   </p:cSld>
@@ -755,7 +755,7 @@
           <p:cNvPr id="2" name="标题 1">
             <a:extLst>
               <a:ext uri="{FF2B5EF4-FFF2-40B4-BE49-F238E27FC236}">
-                <a16:creationId xmlns:a16="http://schemas.microsoft.com/office/drawing/2014/main" id="{45E506AD-54D2-8181-5BA5-BD78ED69723F}"/>
+                <a16:creationId xmlns:a16="http://schemas.microsoft.com/office/drawing/2014/main" id="{5FE46CDB-F9BD-A3C3-6D18-AD6ECFF3ADD0}"/>
               </a:ext>
             </a:extLst>
           </p:cNvPr>
@@ -783,7 +783,7 @@
           <p:cNvPr id="3" name="内容占位符 2">
             <a:extLst>
               <a:ext uri="{FF2B5EF4-FFF2-40B4-BE49-F238E27FC236}">
-                <a16:creationId xmlns:a16="http://schemas.microsoft.com/office/drawing/2014/main" id="{97079331-C9BF-B886-F122-769634497A0A}"/>
+                <a16:creationId xmlns:a16="http://schemas.microsoft.com/office/drawing/2014/main" id="{7F75E072-26E8-34FC-895B-7CB2E17D69D5}"/>
               </a:ext>
             </a:extLst>
           </p:cNvPr>
@@ -840,7 +840,7 @@
           <p:cNvPr id="4" name="日期占位符 3">
             <a:extLst>
               <a:ext uri="{FF2B5EF4-FFF2-40B4-BE49-F238E27FC236}">
-                <a16:creationId xmlns:a16="http://schemas.microsoft.com/office/drawing/2014/main" id="{5E035448-1267-68A4-88DE-3E5EAA917120}"/>
+                <a16:creationId xmlns:a16="http://schemas.microsoft.com/office/drawing/2014/main" id="{E5EB84FC-7681-554D-391D-C7CE07867E9F}"/>
               </a:ext>
             </a:extLst>
           </p:cNvPr>
@@ -856,7 +856,7 @@
           <a:bodyPr/>
           <a:lstStyle/>
           <a:p>
-            <a:fld id="{9AF2849B-4948-465C-9D73-04B3661FC6A7}" type="datetimeFigureOut">
+            <a:fld id="{A63DD16B-A699-4F92-AD8E-97E7AE606B31}" type="datetimeFigureOut">
               <a:rPr lang="zh-CN" altLang="en-US" smtClean="0"/>
               <a:t>2024/3/10</a:t>
             </a:fld>
@@ -869,7 +869,7 @@
           <p:cNvPr id="5" name="页脚占位符 4">
             <a:extLst>
               <a:ext uri="{FF2B5EF4-FFF2-40B4-BE49-F238E27FC236}">
-                <a16:creationId xmlns:a16="http://schemas.microsoft.com/office/drawing/2014/main" id="{A7B0D15F-461D-1DA7-D95C-97A2AF86742C}"/>
+                <a16:creationId xmlns:a16="http://schemas.microsoft.com/office/drawing/2014/main" id="{230BFB91-49B8-7CD0-4D24-9D98AD581F0E}"/>
               </a:ext>
             </a:extLst>
           </p:cNvPr>
@@ -894,7 +894,7 @@
           <p:cNvPr id="6" name="灯片编号占位符 5">
             <a:extLst>
               <a:ext uri="{FF2B5EF4-FFF2-40B4-BE49-F238E27FC236}">
-                <a16:creationId xmlns:a16="http://schemas.microsoft.com/office/drawing/2014/main" id="{3C1A84C2-7E7A-31F4-DFFA-C39C23CF3EB6}"/>
+                <a16:creationId xmlns:a16="http://schemas.microsoft.com/office/drawing/2014/main" id="{F195CAFE-77EC-F147-A426-1AB03143DE91}"/>
               </a:ext>
             </a:extLst>
           </p:cNvPr>
@@ -910,7 +910,7 @@
           <a:bodyPr/>
           <a:lstStyle/>
           <a:p>
-            <a:fld id="{6C0D3533-2AE7-420F-BD7E-E7597E396A50}" type="slidenum">
+            <a:fld id="{26DE0FBB-C971-457D-A543-44C9D66CA0D0}" type="slidenum">
               <a:rPr lang="zh-CN" altLang="en-US" smtClean="0"/>
               <a:t>‹#›</a:t>
             </a:fld>
@@ -921,7 +921,7 @@
     </p:spTree>
     <p:extLst>
       <p:ext uri="{BB962C8B-B14F-4D97-AF65-F5344CB8AC3E}">
-        <p14:creationId xmlns:p14="http://schemas.microsoft.com/office/powerpoint/2010/main" val="3306400105"/>
+        <p14:creationId xmlns:p14="http://schemas.microsoft.com/office/powerpoint/2010/main" val="2570059927"/>
       </p:ext>
     </p:extLst>
   </p:cSld>
@@ -953,7 +953,7 @@
           <p:cNvPr id="2" name="标题 1">
             <a:extLst>
               <a:ext uri="{FF2B5EF4-FFF2-40B4-BE49-F238E27FC236}">
-                <a16:creationId xmlns:a16="http://schemas.microsoft.com/office/drawing/2014/main" id="{EFC292B9-D410-00FE-F14B-B2D1DD1C2183}"/>
+                <a16:creationId xmlns:a16="http://schemas.microsoft.com/office/drawing/2014/main" id="{55BB89F9-D4B8-1D4C-344F-0CB50F2D7547}"/>
               </a:ext>
             </a:extLst>
           </p:cNvPr>
@@ -990,7 +990,7 @@
           <p:cNvPr id="3" name="文本占位符 2">
             <a:extLst>
               <a:ext uri="{FF2B5EF4-FFF2-40B4-BE49-F238E27FC236}">
-                <a16:creationId xmlns:a16="http://schemas.microsoft.com/office/drawing/2014/main" id="{243E2050-E05E-F62B-B10E-6C52E5284502}"/>
+                <a16:creationId xmlns:a16="http://schemas.microsoft.com/office/drawing/2014/main" id="{F56A10EC-B0D8-76AF-0DDD-1C61208BC1D4}"/>
               </a:ext>
             </a:extLst>
           </p:cNvPr>
@@ -1115,7 +1115,7 @@
           <p:cNvPr id="4" name="日期占位符 3">
             <a:extLst>
               <a:ext uri="{FF2B5EF4-FFF2-40B4-BE49-F238E27FC236}">
-                <a16:creationId xmlns:a16="http://schemas.microsoft.com/office/drawing/2014/main" id="{98B02EA3-5E40-4BC2-98CE-C39B6178E6CE}"/>
+                <a16:creationId xmlns:a16="http://schemas.microsoft.com/office/drawing/2014/main" id="{08A8FBC7-495C-547C-9CA1-7EAB2B05E46C}"/>
               </a:ext>
             </a:extLst>
           </p:cNvPr>
@@ -1131,7 +1131,7 @@
           <a:bodyPr/>
           <a:lstStyle/>
           <a:p>
-            <a:fld id="{9AF2849B-4948-465C-9D73-04B3661FC6A7}" type="datetimeFigureOut">
+            <a:fld id="{A63DD16B-A699-4F92-AD8E-97E7AE606B31}" type="datetimeFigureOut">
               <a:rPr lang="zh-CN" altLang="en-US" smtClean="0"/>
               <a:t>2024/3/10</a:t>
             </a:fld>
@@ -1144,7 +1144,7 @@
           <p:cNvPr id="5" name="页脚占位符 4">
             <a:extLst>
               <a:ext uri="{FF2B5EF4-FFF2-40B4-BE49-F238E27FC236}">
-                <a16:creationId xmlns:a16="http://schemas.microsoft.com/office/drawing/2014/main" id="{EB805532-D091-EF14-7474-96D0AAAC9428}"/>
+                <a16:creationId xmlns:a16="http://schemas.microsoft.com/office/drawing/2014/main" id="{74B06024-C653-3480-582F-A2DE5BAEC50F}"/>
               </a:ext>
             </a:extLst>
           </p:cNvPr>
@@ -1169,7 +1169,7 @@
           <p:cNvPr id="6" name="灯片编号占位符 5">
             <a:extLst>
               <a:ext uri="{FF2B5EF4-FFF2-40B4-BE49-F238E27FC236}">
-                <a16:creationId xmlns:a16="http://schemas.microsoft.com/office/drawing/2014/main" id="{E7205965-3E04-DCF9-D869-49A634FEDF3D}"/>
+                <a16:creationId xmlns:a16="http://schemas.microsoft.com/office/drawing/2014/main" id="{1645CE55-D6E8-A9FB-1200-419DE50DAB95}"/>
               </a:ext>
             </a:extLst>
           </p:cNvPr>
@@ -1185,7 +1185,7 @@
           <a:bodyPr/>
           <a:lstStyle/>
           <a:p>
-            <a:fld id="{6C0D3533-2AE7-420F-BD7E-E7597E396A50}" type="slidenum">
+            <a:fld id="{26DE0FBB-C971-457D-A543-44C9D66CA0D0}" type="slidenum">
               <a:rPr lang="zh-CN" altLang="en-US" smtClean="0"/>
               <a:t>‹#›</a:t>
             </a:fld>
@@ -1196,7 +1196,7 @@
     </p:spTree>
     <p:extLst>
       <p:ext uri="{BB962C8B-B14F-4D97-AF65-F5344CB8AC3E}">
-        <p14:creationId xmlns:p14="http://schemas.microsoft.com/office/powerpoint/2010/main" val="2082128436"/>
+        <p14:creationId xmlns:p14="http://schemas.microsoft.com/office/powerpoint/2010/main" val="1075254875"/>
       </p:ext>
     </p:extLst>
   </p:cSld>
@@ -1228,7 +1228,7 @@
           <p:cNvPr id="2" name="标题 1">
             <a:extLst>
               <a:ext uri="{FF2B5EF4-FFF2-40B4-BE49-F238E27FC236}">
-                <a16:creationId xmlns:a16="http://schemas.microsoft.com/office/drawing/2014/main" id="{05DF9A98-0897-F9C5-D2C9-B2DAA757003E}"/>
+                <a16:creationId xmlns:a16="http://schemas.microsoft.com/office/drawing/2014/main" id="{89FDE6AA-0AAA-553B-BBBA-509A74C9DF95}"/>
               </a:ext>
             </a:extLst>
           </p:cNvPr>
@@ -1256,7 +1256,7 @@
           <p:cNvPr id="3" name="内容占位符 2">
             <a:extLst>
               <a:ext uri="{FF2B5EF4-FFF2-40B4-BE49-F238E27FC236}">
-                <a16:creationId xmlns:a16="http://schemas.microsoft.com/office/drawing/2014/main" id="{0BFEC537-EECF-4177-A9A6-480B5418F3E8}"/>
+                <a16:creationId xmlns:a16="http://schemas.microsoft.com/office/drawing/2014/main" id="{7ED422FE-CCDF-4CA3-C3D0-FB975419405B}"/>
               </a:ext>
             </a:extLst>
           </p:cNvPr>
@@ -1318,7 +1318,7 @@
           <p:cNvPr id="4" name="内容占位符 3">
             <a:extLst>
               <a:ext uri="{FF2B5EF4-FFF2-40B4-BE49-F238E27FC236}">
-                <a16:creationId xmlns:a16="http://schemas.microsoft.com/office/drawing/2014/main" id="{1D13D8CE-B51C-04AA-0B26-F839789493E9}"/>
+                <a16:creationId xmlns:a16="http://schemas.microsoft.com/office/drawing/2014/main" id="{1F58E6E0-30A5-1D75-BDAD-04C8D87F0F5F}"/>
               </a:ext>
             </a:extLst>
           </p:cNvPr>
@@ -1380,7 +1380,7 @@
           <p:cNvPr id="5" name="日期占位符 4">
             <a:extLst>
               <a:ext uri="{FF2B5EF4-FFF2-40B4-BE49-F238E27FC236}">
-                <a16:creationId xmlns:a16="http://schemas.microsoft.com/office/drawing/2014/main" id="{99C58D41-407C-3B27-08B9-B42DA9207DB0}"/>
+                <a16:creationId xmlns:a16="http://schemas.microsoft.com/office/drawing/2014/main" id="{D4F2889B-468F-C882-725D-27877CD337B6}"/>
               </a:ext>
             </a:extLst>
           </p:cNvPr>
@@ -1396,7 +1396,7 @@
           <a:bodyPr/>
           <a:lstStyle/>
           <a:p>
-            <a:fld id="{9AF2849B-4948-465C-9D73-04B3661FC6A7}" type="datetimeFigureOut">
+            <a:fld id="{A63DD16B-A699-4F92-AD8E-97E7AE606B31}" type="datetimeFigureOut">
               <a:rPr lang="zh-CN" altLang="en-US" smtClean="0"/>
               <a:t>2024/3/10</a:t>
             </a:fld>
@@ -1409,7 +1409,7 @@
           <p:cNvPr id="6" name="页脚占位符 5">
             <a:extLst>
               <a:ext uri="{FF2B5EF4-FFF2-40B4-BE49-F238E27FC236}">
-                <a16:creationId xmlns:a16="http://schemas.microsoft.com/office/drawing/2014/main" id="{A1EF8687-4E38-6F87-93E4-BB8396AC5837}"/>
+                <a16:creationId xmlns:a16="http://schemas.microsoft.com/office/drawing/2014/main" id="{8A33F5E2-93D8-7ED1-8642-594671C9375A}"/>
               </a:ext>
             </a:extLst>
           </p:cNvPr>
@@ -1434,7 +1434,7 @@
           <p:cNvPr id="7" name="灯片编号占位符 6">
             <a:extLst>
               <a:ext uri="{FF2B5EF4-FFF2-40B4-BE49-F238E27FC236}">
-                <a16:creationId xmlns:a16="http://schemas.microsoft.com/office/drawing/2014/main" id="{EF3C3175-51AF-4F63-89CF-F4190FF9CD7A}"/>
+                <a16:creationId xmlns:a16="http://schemas.microsoft.com/office/drawing/2014/main" id="{0E407564-F7E4-88C4-CD34-AE4C43E8BACC}"/>
               </a:ext>
             </a:extLst>
           </p:cNvPr>
@@ -1450,7 +1450,7 @@
           <a:bodyPr/>
           <a:lstStyle/>
           <a:p>
-            <a:fld id="{6C0D3533-2AE7-420F-BD7E-E7597E396A50}" type="slidenum">
+            <a:fld id="{26DE0FBB-C971-457D-A543-44C9D66CA0D0}" type="slidenum">
               <a:rPr lang="zh-CN" altLang="en-US" smtClean="0"/>
               <a:t>‹#›</a:t>
             </a:fld>
@@ -1461,7 +1461,7 @@
     </p:spTree>
     <p:extLst>
       <p:ext uri="{BB962C8B-B14F-4D97-AF65-F5344CB8AC3E}">
-        <p14:creationId xmlns:p14="http://schemas.microsoft.com/office/powerpoint/2010/main" val="1908909748"/>
+        <p14:creationId xmlns:p14="http://schemas.microsoft.com/office/powerpoint/2010/main" val="2156183216"/>
       </p:ext>
     </p:extLst>
   </p:cSld>
@@ -1493,7 +1493,7 @@
           <p:cNvPr id="2" name="标题 1">
             <a:extLst>
               <a:ext uri="{FF2B5EF4-FFF2-40B4-BE49-F238E27FC236}">
-                <a16:creationId xmlns:a16="http://schemas.microsoft.com/office/drawing/2014/main" id="{6E2B1968-36BF-E871-0F47-64E42AD5DE71}"/>
+                <a16:creationId xmlns:a16="http://schemas.microsoft.com/office/drawing/2014/main" id="{AC17A26A-EB05-DFCB-2672-6254DD90A1CC}"/>
               </a:ext>
             </a:extLst>
           </p:cNvPr>
@@ -1526,7 +1526,7 @@
           <p:cNvPr id="3" name="文本占位符 2">
             <a:extLst>
               <a:ext uri="{FF2B5EF4-FFF2-40B4-BE49-F238E27FC236}">
-                <a16:creationId xmlns:a16="http://schemas.microsoft.com/office/drawing/2014/main" id="{D3C9DF56-9F1B-97A4-FFBC-C5B6414FF94B}"/>
+                <a16:creationId xmlns:a16="http://schemas.microsoft.com/office/drawing/2014/main" id="{20680647-1EFC-0CA3-56D1-6F33FFF7797D}"/>
               </a:ext>
             </a:extLst>
           </p:cNvPr>
@@ -1597,7 +1597,7 @@
           <p:cNvPr id="4" name="内容占位符 3">
             <a:extLst>
               <a:ext uri="{FF2B5EF4-FFF2-40B4-BE49-F238E27FC236}">
-                <a16:creationId xmlns:a16="http://schemas.microsoft.com/office/drawing/2014/main" id="{1DB61A91-B72D-2A8B-AF59-20D007BDC232}"/>
+                <a16:creationId xmlns:a16="http://schemas.microsoft.com/office/drawing/2014/main" id="{26D68232-D5AD-1D93-09B6-3155ADCBE127}"/>
               </a:ext>
             </a:extLst>
           </p:cNvPr>
@@ -1659,7 +1659,7 @@
           <p:cNvPr id="5" name="文本占位符 4">
             <a:extLst>
               <a:ext uri="{FF2B5EF4-FFF2-40B4-BE49-F238E27FC236}">
-                <a16:creationId xmlns:a16="http://schemas.microsoft.com/office/drawing/2014/main" id="{6CB9020D-EE61-7D96-2AB1-48FA234480AA}"/>
+                <a16:creationId xmlns:a16="http://schemas.microsoft.com/office/drawing/2014/main" id="{32A3673D-0BD2-7072-CA4E-52BEFF45618A}"/>
               </a:ext>
             </a:extLst>
           </p:cNvPr>
@@ -1730,7 +1730,7 @@
           <p:cNvPr id="6" name="内容占位符 5">
             <a:extLst>
               <a:ext uri="{FF2B5EF4-FFF2-40B4-BE49-F238E27FC236}">
-                <a16:creationId xmlns:a16="http://schemas.microsoft.com/office/drawing/2014/main" id="{94B23770-6B1B-533E-C762-1212D0402137}"/>
+                <a16:creationId xmlns:a16="http://schemas.microsoft.com/office/drawing/2014/main" id="{B19D3C2D-0E0D-55BE-556B-AA362DA14DD7}"/>
               </a:ext>
             </a:extLst>
           </p:cNvPr>
@@ -1792,7 +1792,7 @@
           <p:cNvPr id="7" name="日期占位符 6">
             <a:extLst>
               <a:ext uri="{FF2B5EF4-FFF2-40B4-BE49-F238E27FC236}">
-                <a16:creationId xmlns:a16="http://schemas.microsoft.com/office/drawing/2014/main" id="{4F8DAB0C-6F6F-AB8D-EBA1-FB9D6002CE89}"/>
+                <a16:creationId xmlns:a16="http://schemas.microsoft.com/office/drawing/2014/main" id="{7899C8BC-5637-E835-08D1-4B8E4F30840F}"/>
               </a:ext>
             </a:extLst>
           </p:cNvPr>
@@ -1808,7 +1808,7 @@
           <a:bodyPr/>
           <a:lstStyle/>
           <a:p>
-            <a:fld id="{9AF2849B-4948-465C-9D73-04B3661FC6A7}" type="datetimeFigureOut">
+            <a:fld id="{A63DD16B-A699-4F92-AD8E-97E7AE606B31}" type="datetimeFigureOut">
               <a:rPr lang="zh-CN" altLang="en-US" smtClean="0"/>
               <a:t>2024/3/10</a:t>
             </a:fld>
@@ -1821,7 +1821,7 @@
           <p:cNvPr id="8" name="页脚占位符 7">
             <a:extLst>
               <a:ext uri="{FF2B5EF4-FFF2-40B4-BE49-F238E27FC236}">
-                <a16:creationId xmlns:a16="http://schemas.microsoft.com/office/drawing/2014/main" id="{34EA45B7-F5C3-980A-BEE5-22135F65C6AF}"/>
+                <a16:creationId xmlns:a16="http://schemas.microsoft.com/office/drawing/2014/main" id="{CE240A02-E393-C1A9-896C-61438B87BF77}"/>
               </a:ext>
             </a:extLst>
           </p:cNvPr>
@@ -1846,7 +1846,7 @@
           <p:cNvPr id="9" name="灯片编号占位符 8">
             <a:extLst>
               <a:ext uri="{FF2B5EF4-FFF2-40B4-BE49-F238E27FC236}">
-                <a16:creationId xmlns:a16="http://schemas.microsoft.com/office/drawing/2014/main" id="{59FF964F-91AE-4AE8-27AB-C90D0F16CFCC}"/>
+                <a16:creationId xmlns:a16="http://schemas.microsoft.com/office/drawing/2014/main" id="{C3A42337-D6ED-74BA-B16E-A7D1F1675B1F}"/>
               </a:ext>
             </a:extLst>
           </p:cNvPr>
@@ -1862,7 +1862,7 @@
           <a:bodyPr/>
           <a:lstStyle/>
           <a:p>
-            <a:fld id="{6C0D3533-2AE7-420F-BD7E-E7597E396A50}" type="slidenum">
+            <a:fld id="{26DE0FBB-C971-457D-A543-44C9D66CA0D0}" type="slidenum">
               <a:rPr lang="zh-CN" altLang="en-US" smtClean="0"/>
               <a:t>‹#›</a:t>
             </a:fld>
@@ -1873,7 +1873,7 @@
     </p:spTree>
     <p:extLst>
       <p:ext uri="{BB962C8B-B14F-4D97-AF65-F5344CB8AC3E}">
-        <p14:creationId xmlns:p14="http://schemas.microsoft.com/office/powerpoint/2010/main" val="1060029981"/>
+        <p14:creationId xmlns:p14="http://schemas.microsoft.com/office/powerpoint/2010/main" val="1654916981"/>
       </p:ext>
     </p:extLst>
   </p:cSld>
@@ -1905,7 +1905,7 @@
           <p:cNvPr id="2" name="标题 1">
             <a:extLst>
               <a:ext uri="{FF2B5EF4-FFF2-40B4-BE49-F238E27FC236}">
-                <a16:creationId xmlns:a16="http://schemas.microsoft.com/office/drawing/2014/main" id="{EEAD4FD9-216A-0D08-97C9-62F0670F34F3}"/>
+                <a16:creationId xmlns:a16="http://schemas.microsoft.com/office/drawing/2014/main" id="{523BFC20-2327-2035-2DA4-9D88DB07A12D}"/>
               </a:ext>
             </a:extLst>
           </p:cNvPr>
@@ -1933,7 +1933,7 @@
           <p:cNvPr id="3" name="日期占位符 2">
             <a:extLst>
               <a:ext uri="{FF2B5EF4-FFF2-40B4-BE49-F238E27FC236}">
-                <a16:creationId xmlns:a16="http://schemas.microsoft.com/office/drawing/2014/main" id="{F2B64883-FB70-8215-877E-C31916D6B825}"/>
+                <a16:creationId xmlns:a16="http://schemas.microsoft.com/office/drawing/2014/main" id="{683B44FB-E966-EEBC-2FB7-32C3D85A82A4}"/>
               </a:ext>
             </a:extLst>
           </p:cNvPr>
@@ -1949,7 +1949,7 @@
           <a:bodyPr/>
           <a:lstStyle/>
           <a:p>
-            <a:fld id="{9AF2849B-4948-465C-9D73-04B3661FC6A7}" type="datetimeFigureOut">
+            <a:fld id="{A63DD16B-A699-4F92-AD8E-97E7AE606B31}" type="datetimeFigureOut">
               <a:rPr lang="zh-CN" altLang="en-US" smtClean="0"/>
               <a:t>2024/3/10</a:t>
             </a:fld>
@@ -1962,7 +1962,7 @@
           <p:cNvPr id="4" name="页脚占位符 3">
             <a:extLst>
               <a:ext uri="{FF2B5EF4-FFF2-40B4-BE49-F238E27FC236}">
-                <a16:creationId xmlns:a16="http://schemas.microsoft.com/office/drawing/2014/main" id="{B20FA122-7714-EE1A-5A7D-8D02F7F66268}"/>
+                <a16:creationId xmlns:a16="http://schemas.microsoft.com/office/drawing/2014/main" id="{D73BB886-688A-7E08-823A-863F53469C9D}"/>
               </a:ext>
             </a:extLst>
           </p:cNvPr>
@@ -1987,7 +1987,7 @@
           <p:cNvPr id="5" name="灯片编号占位符 4">
             <a:extLst>
               <a:ext uri="{FF2B5EF4-FFF2-40B4-BE49-F238E27FC236}">
-                <a16:creationId xmlns:a16="http://schemas.microsoft.com/office/drawing/2014/main" id="{EC0D4FDD-BC68-69E0-FE68-7687F20877D3}"/>
+                <a16:creationId xmlns:a16="http://schemas.microsoft.com/office/drawing/2014/main" id="{920E9045-7D2C-F907-8253-94047A604B93}"/>
               </a:ext>
             </a:extLst>
           </p:cNvPr>
@@ -2003,7 +2003,7 @@
           <a:bodyPr/>
           <a:lstStyle/>
           <a:p>
-            <a:fld id="{6C0D3533-2AE7-420F-BD7E-E7597E396A50}" type="slidenum">
+            <a:fld id="{26DE0FBB-C971-457D-A543-44C9D66CA0D0}" type="slidenum">
               <a:rPr lang="zh-CN" altLang="en-US" smtClean="0"/>
               <a:t>‹#›</a:t>
             </a:fld>
@@ -2014,7 +2014,7 @@
     </p:spTree>
     <p:extLst>
       <p:ext uri="{BB962C8B-B14F-4D97-AF65-F5344CB8AC3E}">
-        <p14:creationId xmlns:p14="http://schemas.microsoft.com/office/powerpoint/2010/main" val="1453397866"/>
+        <p14:creationId xmlns:p14="http://schemas.microsoft.com/office/powerpoint/2010/main" val="1597649300"/>
       </p:ext>
     </p:extLst>
   </p:cSld>
@@ -2046,7 +2046,7 @@
           <p:cNvPr id="2" name="日期占位符 1">
             <a:extLst>
               <a:ext uri="{FF2B5EF4-FFF2-40B4-BE49-F238E27FC236}">
-                <a16:creationId xmlns:a16="http://schemas.microsoft.com/office/drawing/2014/main" id="{E9BAD273-5C94-04F8-84FB-F56B0CA2DE22}"/>
+                <a16:creationId xmlns:a16="http://schemas.microsoft.com/office/drawing/2014/main" id="{06614646-7F5F-F5EB-6124-34B7DC72D0E8}"/>
               </a:ext>
             </a:extLst>
           </p:cNvPr>
@@ -2062,7 +2062,7 @@
           <a:bodyPr/>
           <a:lstStyle/>
           <a:p>
-            <a:fld id="{9AF2849B-4948-465C-9D73-04B3661FC6A7}" type="datetimeFigureOut">
+            <a:fld id="{A63DD16B-A699-4F92-AD8E-97E7AE606B31}" type="datetimeFigureOut">
               <a:rPr lang="zh-CN" altLang="en-US" smtClean="0"/>
               <a:t>2024/3/10</a:t>
             </a:fld>
@@ -2075,7 +2075,7 @@
           <p:cNvPr id="3" name="页脚占位符 2">
             <a:extLst>
               <a:ext uri="{FF2B5EF4-FFF2-40B4-BE49-F238E27FC236}">
-                <a16:creationId xmlns:a16="http://schemas.microsoft.com/office/drawing/2014/main" id="{96AE166D-D1BF-43A5-CD3C-4BBEDF5EA275}"/>
+                <a16:creationId xmlns:a16="http://schemas.microsoft.com/office/drawing/2014/main" id="{9460518A-9E16-9C74-6493-C6E3AA7495AE}"/>
               </a:ext>
             </a:extLst>
           </p:cNvPr>
@@ -2100,7 +2100,7 @@
           <p:cNvPr id="4" name="灯片编号占位符 3">
             <a:extLst>
               <a:ext uri="{FF2B5EF4-FFF2-40B4-BE49-F238E27FC236}">
-                <a16:creationId xmlns:a16="http://schemas.microsoft.com/office/drawing/2014/main" id="{5600C618-63B1-FA8E-E2EE-19E3DF83DF0D}"/>
+                <a16:creationId xmlns:a16="http://schemas.microsoft.com/office/drawing/2014/main" id="{D90F27A9-F78F-71B8-1D0F-890CD5092605}"/>
               </a:ext>
             </a:extLst>
           </p:cNvPr>
@@ -2116,7 +2116,7 @@
           <a:bodyPr/>
           <a:lstStyle/>
           <a:p>
-            <a:fld id="{6C0D3533-2AE7-420F-BD7E-E7597E396A50}" type="slidenum">
+            <a:fld id="{26DE0FBB-C971-457D-A543-44C9D66CA0D0}" type="slidenum">
               <a:rPr lang="zh-CN" altLang="en-US" smtClean="0"/>
               <a:t>‹#›</a:t>
             </a:fld>
@@ -2127,7 +2127,7 @@
     </p:spTree>
     <p:extLst>
       <p:ext uri="{BB962C8B-B14F-4D97-AF65-F5344CB8AC3E}">
-        <p14:creationId xmlns:p14="http://schemas.microsoft.com/office/powerpoint/2010/main" val="1777646545"/>
+        <p14:creationId xmlns:p14="http://schemas.microsoft.com/office/powerpoint/2010/main" val="1393137217"/>
       </p:ext>
     </p:extLst>
   </p:cSld>
@@ -2159,7 +2159,7 @@
           <p:cNvPr id="2" name="标题 1">
             <a:extLst>
               <a:ext uri="{FF2B5EF4-FFF2-40B4-BE49-F238E27FC236}">
-                <a16:creationId xmlns:a16="http://schemas.microsoft.com/office/drawing/2014/main" id="{176BD9FC-3BE0-2152-CC93-3FD8FB465910}"/>
+                <a16:creationId xmlns:a16="http://schemas.microsoft.com/office/drawing/2014/main" id="{7514F650-C358-0D14-571D-5F6C4CC4428F}"/>
               </a:ext>
             </a:extLst>
           </p:cNvPr>
@@ -2196,7 +2196,7 @@
           <p:cNvPr id="3" name="内容占位符 2">
             <a:extLst>
               <a:ext uri="{FF2B5EF4-FFF2-40B4-BE49-F238E27FC236}">
-                <a16:creationId xmlns:a16="http://schemas.microsoft.com/office/drawing/2014/main" id="{8D254713-DF0A-9246-0E04-9A9DFD1E9BED}"/>
+                <a16:creationId xmlns:a16="http://schemas.microsoft.com/office/drawing/2014/main" id="{9E380293-467F-B536-3C8E-B205229AE8AE}"/>
               </a:ext>
             </a:extLst>
           </p:cNvPr>
@@ -2286,7 +2286,7 @@
           <p:cNvPr id="4" name="文本占位符 3">
             <a:extLst>
               <a:ext uri="{FF2B5EF4-FFF2-40B4-BE49-F238E27FC236}">
-                <a16:creationId xmlns:a16="http://schemas.microsoft.com/office/drawing/2014/main" id="{C6F9F745-040A-27E6-42E2-92D1D08087DF}"/>
+                <a16:creationId xmlns:a16="http://schemas.microsoft.com/office/drawing/2014/main" id="{1A6FC129-F890-C78E-56F8-A0ECD37B4B50}"/>
               </a:ext>
             </a:extLst>
           </p:cNvPr>
@@ -2357,7 +2357,7 @@
           <p:cNvPr id="5" name="日期占位符 4">
             <a:extLst>
               <a:ext uri="{FF2B5EF4-FFF2-40B4-BE49-F238E27FC236}">
-                <a16:creationId xmlns:a16="http://schemas.microsoft.com/office/drawing/2014/main" id="{68851B82-CC75-2916-D4CB-A932CB324C1A}"/>
+                <a16:creationId xmlns:a16="http://schemas.microsoft.com/office/drawing/2014/main" id="{827F8BD6-742C-6091-EF42-4819FD1D7276}"/>
               </a:ext>
             </a:extLst>
           </p:cNvPr>
@@ -2373,7 +2373,7 @@
           <a:bodyPr/>
           <a:lstStyle/>
           <a:p>
-            <a:fld id="{9AF2849B-4948-465C-9D73-04B3661FC6A7}" type="datetimeFigureOut">
+            <a:fld id="{A63DD16B-A699-4F92-AD8E-97E7AE606B31}" type="datetimeFigureOut">
               <a:rPr lang="zh-CN" altLang="en-US" smtClean="0"/>
               <a:t>2024/3/10</a:t>
             </a:fld>
@@ -2386,7 +2386,7 @@
           <p:cNvPr id="6" name="页脚占位符 5">
             <a:extLst>
               <a:ext uri="{FF2B5EF4-FFF2-40B4-BE49-F238E27FC236}">
-                <a16:creationId xmlns:a16="http://schemas.microsoft.com/office/drawing/2014/main" id="{F999415D-9EB2-4079-7166-7A5F3F0375C0}"/>
+                <a16:creationId xmlns:a16="http://schemas.microsoft.com/office/drawing/2014/main" id="{DE82E6B4-57B7-3924-BBF6-38E06A27F3D7}"/>
               </a:ext>
             </a:extLst>
           </p:cNvPr>
@@ -2411,7 +2411,7 @@
           <p:cNvPr id="7" name="灯片编号占位符 6">
             <a:extLst>
               <a:ext uri="{FF2B5EF4-FFF2-40B4-BE49-F238E27FC236}">
-                <a16:creationId xmlns:a16="http://schemas.microsoft.com/office/drawing/2014/main" id="{A8ABA78C-A871-746A-ED83-D1F689F22CFF}"/>
+                <a16:creationId xmlns:a16="http://schemas.microsoft.com/office/drawing/2014/main" id="{A613F3E6-C6E5-FD93-238B-61C14519057D}"/>
               </a:ext>
             </a:extLst>
           </p:cNvPr>
@@ -2427,7 +2427,7 @@
           <a:bodyPr/>
           <a:lstStyle/>
           <a:p>
-            <a:fld id="{6C0D3533-2AE7-420F-BD7E-E7597E396A50}" type="slidenum">
+            <a:fld id="{26DE0FBB-C971-457D-A543-44C9D66CA0D0}" type="slidenum">
               <a:rPr lang="zh-CN" altLang="en-US" smtClean="0"/>
               <a:t>‹#›</a:t>
             </a:fld>
@@ -2438,7 +2438,7 @@
     </p:spTree>
     <p:extLst>
       <p:ext uri="{BB962C8B-B14F-4D97-AF65-F5344CB8AC3E}">
-        <p14:creationId xmlns:p14="http://schemas.microsoft.com/office/powerpoint/2010/main" val="2555295098"/>
+        <p14:creationId xmlns:p14="http://schemas.microsoft.com/office/powerpoint/2010/main" val="1337391248"/>
       </p:ext>
     </p:extLst>
   </p:cSld>
@@ -2470,7 +2470,7 @@
           <p:cNvPr id="2" name="标题 1">
             <a:extLst>
               <a:ext uri="{FF2B5EF4-FFF2-40B4-BE49-F238E27FC236}">
-                <a16:creationId xmlns:a16="http://schemas.microsoft.com/office/drawing/2014/main" id="{87CEF3B5-4B04-9299-CA63-4802E004EEC7}"/>
+                <a16:creationId xmlns:a16="http://schemas.microsoft.com/office/drawing/2014/main" id="{4FD4E6B8-9758-AC73-5B44-6D6626BC6BDC}"/>
               </a:ext>
             </a:extLst>
           </p:cNvPr>
@@ -2507,7 +2507,7 @@
           <p:cNvPr id="3" name="图片占位符 2">
             <a:extLst>
               <a:ext uri="{FF2B5EF4-FFF2-40B4-BE49-F238E27FC236}">
-                <a16:creationId xmlns:a16="http://schemas.microsoft.com/office/drawing/2014/main" id="{4995ACC4-66D4-5065-8672-CE4F3BCE4B6A}"/>
+                <a16:creationId xmlns:a16="http://schemas.microsoft.com/office/drawing/2014/main" id="{8E8D61BD-F02B-0BD3-81E4-CAA376055045}"/>
               </a:ext>
             </a:extLst>
           </p:cNvPr>
@@ -2574,7 +2574,7 @@
           <p:cNvPr id="4" name="文本占位符 3">
             <a:extLst>
               <a:ext uri="{FF2B5EF4-FFF2-40B4-BE49-F238E27FC236}">
-                <a16:creationId xmlns:a16="http://schemas.microsoft.com/office/drawing/2014/main" id="{D219408C-D977-BE3F-CC33-F1D725D3B76E}"/>
+                <a16:creationId xmlns:a16="http://schemas.microsoft.com/office/drawing/2014/main" id="{95A23BE2-468C-F600-42BA-03696A8119F7}"/>
               </a:ext>
             </a:extLst>
           </p:cNvPr>
@@ -2645,7 +2645,7 @@
           <p:cNvPr id="5" name="日期占位符 4">
             <a:extLst>
               <a:ext uri="{FF2B5EF4-FFF2-40B4-BE49-F238E27FC236}">
-                <a16:creationId xmlns:a16="http://schemas.microsoft.com/office/drawing/2014/main" id="{55EFA1B5-9796-771F-2AF1-A873F1E528E3}"/>
+                <a16:creationId xmlns:a16="http://schemas.microsoft.com/office/drawing/2014/main" id="{EDC06A52-E206-6BB0-9969-F379730C312A}"/>
               </a:ext>
             </a:extLst>
           </p:cNvPr>
@@ -2661,7 +2661,7 @@
           <a:bodyPr/>
           <a:lstStyle/>
           <a:p>
-            <a:fld id="{9AF2849B-4948-465C-9D73-04B3661FC6A7}" type="datetimeFigureOut">
+            <a:fld id="{A63DD16B-A699-4F92-AD8E-97E7AE606B31}" type="datetimeFigureOut">
               <a:rPr lang="zh-CN" altLang="en-US" smtClean="0"/>
               <a:t>2024/3/10</a:t>
             </a:fld>
@@ -2674,7 +2674,7 @@
           <p:cNvPr id="6" name="页脚占位符 5">
             <a:extLst>
               <a:ext uri="{FF2B5EF4-FFF2-40B4-BE49-F238E27FC236}">
-                <a16:creationId xmlns:a16="http://schemas.microsoft.com/office/drawing/2014/main" id="{5453730A-1291-2DD4-F6F8-D0C5AADC4F78}"/>
+                <a16:creationId xmlns:a16="http://schemas.microsoft.com/office/drawing/2014/main" id="{C426547C-9ADE-E448-187F-446CAF5AC692}"/>
               </a:ext>
             </a:extLst>
           </p:cNvPr>
@@ -2699,7 +2699,7 @@
           <p:cNvPr id="7" name="灯片编号占位符 6">
             <a:extLst>
               <a:ext uri="{FF2B5EF4-FFF2-40B4-BE49-F238E27FC236}">
-                <a16:creationId xmlns:a16="http://schemas.microsoft.com/office/drawing/2014/main" id="{F32C584E-5188-6EC7-2E90-C8C259BD9C63}"/>
+                <a16:creationId xmlns:a16="http://schemas.microsoft.com/office/drawing/2014/main" id="{F7FE1F8E-D430-E50C-9D00-4BEEB49BEC53}"/>
               </a:ext>
             </a:extLst>
           </p:cNvPr>
@@ -2715,7 +2715,7 @@
           <a:bodyPr/>
           <a:lstStyle/>
           <a:p>
-            <a:fld id="{6C0D3533-2AE7-420F-BD7E-E7597E396A50}" type="slidenum">
+            <a:fld id="{26DE0FBB-C971-457D-A543-44C9D66CA0D0}" type="slidenum">
               <a:rPr lang="zh-CN" altLang="en-US" smtClean="0"/>
               <a:t>‹#›</a:t>
             </a:fld>
@@ -2726,7 +2726,7 @@
     </p:spTree>
     <p:extLst>
       <p:ext uri="{BB962C8B-B14F-4D97-AF65-F5344CB8AC3E}">
-        <p14:creationId xmlns:p14="http://schemas.microsoft.com/office/powerpoint/2010/main" val="1060315081"/>
+        <p14:creationId xmlns:p14="http://schemas.microsoft.com/office/powerpoint/2010/main" val="3212056466"/>
       </p:ext>
     </p:extLst>
   </p:cSld>
@@ -2763,7 +2763,7 @@
           <p:cNvPr id="2" name="标题占位符 1">
             <a:extLst>
               <a:ext uri="{FF2B5EF4-FFF2-40B4-BE49-F238E27FC236}">
-                <a16:creationId xmlns:a16="http://schemas.microsoft.com/office/drawing/2014/main" id="{0DB3F29B-B5E4-E9F4-B749-2457CE2269A9}"/>
+                <a16:creationId xmlns:a16="http://schemas.microsoft.com/office/drawing/2014/main" id="{A55B4C70-BF64-13B4-AD25-B90A16073AC1}"/>
               </a:ext>
             </a:extLst>
           </p:cNvPr>
@@ -2801,7 +2801,7 @@
           <p:cNvPr id="3" name="文本占位符 2">
             <a:extLst>
               <a:ext uri="{FF2B5EF4-FFF2-40B4-BE49-F238E27FC236}">
-                <a16:creationId xmlns:a16="http://schemas.microsoft.com/office/drawing/2014/main" id="{1BE599AF-77FB-DEED-9A6C-CE54E2C81C79}"/>
+                <a16:creationId xmlns:a16="http://schemas.microsoft.com/office/drawing/2014/main" id="{F056EEC3-4DE5-3714-4DE8-4DF8C20CE33A}"/>
               </a:ext>
             </a:extLst>
           </p:cNvPr>
@@ -2868,7 +2868,7 @@
           <p:cNvPr id="4" name="日期占位符 3">
             <a:extLst>
               <a:ext uri="{FF2B5EF4-FFF2-40B4-BE49-F238E27FC236}">
-                <a16:creationId xmlns:a16="http://schemas.microsoft.com/office/drawing/2014/main" id="{A776C9AF-8345-5C36-49E0-D93C3FD56FB7}"/>
+                <a16:creationId xmlns:a16="http://schemas.microsoft.com/office/drawing/2014/main" id="{91F19C90-4BFA-38AC-FC00-2F3B474DA9B0}"/>
               </a:ext>
             </a:extLst>
           </p:cNvPr>
@@ -2902,7 +2902,7 @@
             </a:lvl1pPr>
           </a:lstStyle>
           <a:p>
-            <a:fld id="{9AF2849B-4948-465C-9D73-04B3661FC6A7}" type="datetimeFigureOut">
+            <a:fld id="{A63DD16B-A699-4F92-AD8E-97E7AE606B31}" type="datetimeFigureOut">
               <a:rPr lang="zh-CN" altLang="en-US" smtClean="0"/>
               <a:t>2024/3/10</a:t>
             </a:fld>
@@ -2915,7 +2915,7 @@
           <p:cNvPr id="5" name="页脚占位符 4">
             <a:extLst>
               <a:ext uri="{FF2B5EF4-FFF2-40B4-BE49-F238E27FC236}">
-                <a16:creationId xmlns:a16="http://schemas.microsoft.com/office/drawing/2014/main" id="{AAA347F2-10F6-113A-4E37-388EE998BEE5}"/>
+                <a16:creationId xmlns:a16="http://schemas.microsoft.com/office/drawing/2014/main" id="{2B19D992-AD4D-9605-E96B-DBDA16E75070}"/>
               </a:ext>
             </a:extLst>
           </p:cNvPr>
@@ -2958,7 +2958,7 @@
           <p:cNvPr id="6" name="灯片编号占位符 5">
             <a:extLst>
               <a:ext uri="{FF2B5EF4-FFF2-40B4-BE49-F238E27FC236}">
-                <a16:creationId xmlns:a16="http://schemas.microsoft.com/office/drawing/2014/main" id="{5AC3EE9E-BE6D-B197-7588-226E0B69AD4A}"/>
+                <a16:creationId xmlns:a16="http://schemas.microsoft.com/office/drawing/2014/main" id="{043E8FDE-D246-BAD6-4D1D-934ECACC7366}"/>
               </a:ext>
             </a:extLst>
           </p:cNvPr>
@@ -2992,7 +2992,7 @@
             </a:lvl1pPr>
           </a:lstStyle>
           <a:p>
-            <a:fld id="{6C0D3533-2AE7-420F-BD7E-E7597E396A50}" type="slidenum">
+            <a:fld id="{26DE0FBB-C971-457D-A543-44C9D66CA0D0}" type="slidenum">
               <a:rPr lang="zh-CN" altLang="en-US" smtClean="0"/>
               <a:t>‹#›</a:t>
             </a:fld>
@@ -3003,7 +3003,7 @@
     </p:spTree>
     <p:extLst>
       <p:ext uri="{BB962C8B-B14F-4D97-AF65-F5344CB8AC3E}">
-        <p14:creationId xmlns:p14="http://schemas.microsoft.com/office/powerpoint/2010/main" val="3677433975"/>
+        <p14:creationId xmlns:p14="http://schemas.microsoft.com/office/powerpoint/2010/main" val="169495015"/>
       </p:ext>
     </p:extLst>
   </p:cSld>
@@ -3323,7 +3323,7 @@
       </p:grpSpPr>
       <p:pic>
         <p:nvPicPr>
-          <p:cNvPr id="1399810" name="Picture 2" descr="1366"/>
+          <p:cNvPr id="1400834" name="Picture 2" descr="1367"/>
           <p:cNvPicPr>
             <a:picLocks noChangeAspect="1" noChangeArrowheads="1"/>
           </p:cNvPicPr>
@@ -3344,8 +3344,8 @@
         </p:blipFill>
         <p:spPr bwMode="auto">
           <a:xfrm>
-            <a:off x="1524000" y="0"/>
-            <a:ext cx="9144000" cy="6858000"/>
+            <a:off x="1614488" y="1"/>
+            <a:ext cx="9053512" cy="4005263"/>
           </a:xfrm>
           <a:prstGeom prst="rect">
             <a:avLst/>
